--- a/PCL/SleepPaper/final/246-ICADIE-24 PPT TEMPLATE.pptx
+++ b/PCL/SleepPaper/final/246-ICADIE-24 PPT TEMPLATE.pptx
@@ -209,7 +209,7 @@
           <a:p>
             <a:fld id="{4491C475-AEB9-4D5E-A794-AC6924532B70}" type="datetimeFigureOut">
               <a:rPr lang="en-IN" smtClean="0"/>
-              <a:t>01-03-2024</a:t>
+              <a:t>01/03/24</a:t>
             </a:fld>
             <a:endParaRPr lang="en-IN"/>
           </a:p>
@@ -608,7 +608,7 @@
           <a:p>
             <a:fld id="{3081F918-35B6-4563-AF9F-EAC067683AFE}" type="datetime1">
               <a:rPr lang="en-IN" smtClean="0"/>
-              <a:t>01-03-2024</a:t>
+              <a:t>01/03/24</a:t>
             </a:fld>
             <a:endParaRPr lang="en-IN"/>
           </a:p>
@@ -782,7 +782,7 @@
           <a:p>
             <a:fld id="{DBE3D869-6459-4908-8CB0-C5974D378BD9}" type="datetime1">
               <a:rPr lang="en-IN" smtClean="0"/>
-              <a:t>01-03-2024</a:t>
+              <a:t>01/03/24</a:t>
             </a:fld>
             <a:endParaRPr lang="en-IN"/>
           </a:p>
@@ -966,7 +966,7 @@
           <a:p>
             <a:fld id="{E76F0554-88EA-434E-A86F-EA69C882B955}" type="datetime1">
               <a:rPr lang="en-IN" smtClean="0"/>
-              <a:t>01-03-2024</a:t>
+              <a:t>01/03/24</a:t>
             </a:fld>
             <a:endParaRPr lang="en-IN"/>
           </a:p>
@@ -1140,7 +1140,7 @@
           <a:p>
             <a:fld id="{4B508565-060C-456C-8BFF-91FB81B28638}" type="datetime1">
               <a:rPr lang="en-IN" smtClean="0"/>
-              <a:t>01-03-2024</a:t>
+              <a:t>01/03/24</a:t>
             </a:fld>
             <a:endParaRPr lang="en-IN"/>
           </a:p>
@@ -1390,7 +1390,7 @@
           <a:p>
             <a:fld id="{559507B3-A852-4574-8F61-BB8FA83F65E2}" type="datetime1">
               <a:rPr lang="en-IN" smtClean="0"/>
-              <a:t>01-03-2024</a:t>
+              <a:t>01/03/24</a:t>
             </a:fld>
             <a:endParaRPr lang="en-IN"/>
           </a:p>
@@ -1626,7 +1626,7 @@
           <a:p>
             <a:fld id="{5B416826-CAC6-4930-B067-BAC0285E9887}" type="datetime1">
               <a:rPr lang="en-IN" smtClean="0"/>
-              <a:t>01-03-2024</a:t>
+              <a:t>01/03/24</a:t>
             </a:fld>
             <a:endParaRPr lang="en-IN"/>
           </a:p>
@@ -1997,7 +1997,7 @@
           <a:p>
             <a:fld id="{9E5253A5-1530-4983-BE83-8D48CB00ECDC}" type="datetime1">
               <a:rPr lang="en-IN" smtClean="0"/>
-              <a:t>01-03-2024</a:t>
+              <a:t>01/03/24</a:t>
             </a:fld>
             <a:endParaRPr lang="en-IN"/>
           </a:p>
@@ -2119,7 +2119,7 @@
           <a:p>
             <a:fld id="{BCE4A65C-9DE9-44C6-B515-88719409261B}" type="datetime1">
               <a:rPr lang="en-IN" smtClean="0"/>
-              <a:t>01-03-2024</a:t>
+              <a:t>01/03/24</a:t>
             </a:fld>
             <a:endParaRPr lang="en-IN"/>
           </a:p>
@@ -2218,7 +2218,7 @@
           <a:p>
             <a:fld id="{07D0111F-BF2C-430F-966C-40154FA18AC2}" type="datetime1">
               <a:rPr lang="en-IN" smtClean="0"/>
-              <a:t>01-03-2024</a:t>
+              <a:t>01/03/24</a:t>
             </a:fld>
             <a:endParaRPr lang="en-IN"/>
           </a:p>
@@ -2499,7 +2499,7 @@
           <a:p>
             <a:fld id="{92239DFC-328F-4CE4-A87F-42C732F32DF9}" type="datetime1">
               <a:rPr lang="en-IN" smtClean="0"/>
-              <a:t>01-03-2024</a:t>
+              <a:t>01/03/24</a:t>
             </a:fld>
             <a:endParaRPr lang="en-IN"/>
           </a:p>
@@ -2756,7 +2756,7 @@
           <a:p>
             <a:fld id="{FE012498-844C-45E0-8C99-3963FAE101E2}" type="datetime1">
               <a:rPr lang="en-IN" smtClean="0"/>
-              <a:t>01-03-2024</a:t>
+              <a:t>01/03/24</a:t>
             </a:fld>
             <a:endParaRPr lang="en-IN"/>
           </a:p>
@@ -2973,7 +2973,7 @@
           <a:p>
             <a:fld id="{6461FD19-DD31-4517-BFB2-5EC232807E32}" type="datetime1">
               <a:rPr lang="en-IN" smtClean="0"/>
-              <a:t>01-03-2024</a:t>
+              <a:t>01/03/24</a:t>
             </a:fld>
             <a:endParaRPr lang="en-IN"/>
           </a:p>
@@ -6212,7 +6212,7 @@
           <a:p>
             <a:fld id="{4B508565-060C-456C-8BFF-91FB81B28638}" type="datetime1">
               <a:rPr lang="en-IN" smtClean="0"/>
-              <a:t>01-03-2024</a:t>
+              <a:t>01/03/24</a:t>
             </a:fld>
             <a:endParaRPr lang="en-IN"/>
           </a:p>
@@ -8384,8 +8384,8 @@
         </p:blipFill>
         <p:spPr bwMode="auto">
           <a:xfrm>
-            <a:off x="8353475" y="2156355"/>
-            <a:ext cx="3632200" cy="2885440"/>
+            <a:off x="6256921" y="1346186"/>
+            <a:ext cx="5546319" cy="4406027"/>
           </a:xfrm>
           <a:prstGeom prst="rect">
             <a:avLst/>
@@ -8768,7 +8768,7 @@
         <p:spPr>
           <a:xfrm>
             <a:off x="154745" y="1225976"/>
-            <a:ext cx="9182389" cy="4967124"/>
+            <a:ext cx="6646105" cy="4967124"/>
           </a:xfrm>
           <a:prstGeom prst="rect">
             <a:avLst/>
@@ -8776,7 +8776,7 @@
         </p:spPr>
         <p:txBody>
           <a:bodyPr vert="horz" lIns="91440" tIns="45720" rIns="91440" bIns="45720" rtlCol="0">
-            <a:normAutofit fontScale="92500"/>
+            <a:normAutofit lnSpcReduction="10000"/>
           </a:bodyPr>
           <a:lstStyle>
             <a:lvl1pPr marL="228600" indent="-228600" algn="l" defTabSz="914400" rtl="0" eaLnBrk="1" latinLnBrk="0" hangingPunct="1">
@@ -9010,34 +9010,6 @@
               <a:ea typeface="Arial Unicode MS"/>
               <a:cs typeface="Arial Unicode MS"/>
             </a:endParaRPr>
-          </a:p>
-          <a:p>
-            <a:pPr marL="436950" marR="533400" indent="-285750" algn="just">
-              <a:lnSpc>
-                <a:spcPct val="150000"/>
-              </a:lnSpc>
-              <a:spcBef>
-                <a:spcPts val="0"/>
-              </a:spcBef>
-              <a:buFont typeface="Wingdings" panose="05000000000000000000" pitchFamily="2" charset="2"/>
-              <a:buChar char="q"/>
-            </a:pPr>
-            <a:r>
-              <a:rPr lang="en-US" sz="1800" dirty="0">
-                <a:solidFill>
-                  <a:srgbClr val="000000"/>
-                </a:solidFill>
-                <a:uFill>
-                  <a:solidFill>
-                    <a:srgbClr val="000000"/>
-                  </a:solidFill>
-                </a:uFill>
-                <a:latin typeface="Times New Roman" panose="02020603050405020304" pitchFamily="18" charset="0"/>
-                <a:ea typeface="Times New Roman" panose="02020603050405020304" pitchFamily="18" charset="0"/>
-                <a:cs typeface="Arial Unicode MS"/>
-              </a:rPr>
-              <a:t>In the past, some methods using Electroencephalograms (EEG) or Electromyograms (EMG) have been proposed for sleep disorder monitoring. However, these methods are very inconvenient for the patients due to the cumbersome wiring that is required for the bio signal acquisition. </a:t>
-            </a:r>
           </a:p>
           <a:p>
             <a:pPr marL="436950" marR="533400" indent="-285750" algn="just">
